--- a/Presentation/GLJRPGViimeinenSeminaariXAMK.pptx
+++ b/Presentation/GLJRPGViimeinenSeminaariXAMK.pptx
@@ -5,14 +5,18 @@
     <p:sldMasterId id="2147483648" r:id="rId4"/>
   </p:sldMasterIdLst>
   <p:notesMasterIdLst>
-    <p:notesMasterId r:id="rId10"/>
+    <p:notesMasterId r:id="rId14"/>
   </p:notesMasterIdLst>
   <p:sldIdLst>
     <p:sldId id="256" r:id="rId5"/>
     <p:sldId id="257" r:id="rId6"/>
     <p:sldId id="268" r:id="rId7"/>
     <p:sldId id="269" r:id="rId8"/>
-    <p:sldId id="266" r:id="rId9"/>
+    <p:sldId id="270" r:id="rId9"/>
+    <p:sldId id="271" r:id="rId10"/>
+    <p:sldId id="272" r:id="rId11"/>
+    <p:sldId id="273" r:id="rId12"/>
+    <p:sldId id="266" r:id="rId13"/>
   </p:sldIdLst>
   <p:sldSz cx="9144000" cy="6858000" type="screen4x3"/>
   <p:notesSz cx="6858000" cy="9144000"/>
@@ -212,7 +216,7 @@
           <a:p>
             <a:fld id="{997DDE6A-8FD4-4BA5-8925-9C5BE442C160}" type="datetimeFigureOut">
               <a:rPr lang="en-US" smtClean="0"/>
-              <a:t>11/27/2019</a:t>
+              <a:t>27-11-19</a:t>
             </a:fld>
             <a:endParaRPr lang="en-US"/>
           </a:p>
@@ -549,7 +553,7 @@
             </a:r>
             <a:r>
               <a:rPr lang="en-US" dirty="0" err="1"/>
-              <a:t>toisen</a:t>
+              <a:t>viimeisen</a:t>
             </a:r>
             <a:r>
               <a:rPr lang="en-US" dirty="0"/>
@@ -893,6 +897,342 @@
     <p:extLst>
       <p:ext uri="{BB962C8B-B14F-4D97-AF65-F5344CB8AC3E}">
         <p14:creationId xmlns:p14="http://schemas.microsoft.com/office/powerpoint/2010/main" val="3839854037"/>
+      </p:ext>
+    </p:extLst>
+  </p:cSld>
+  <p:clrMapOvr>
+    <a:masterClrMapping/>
+  </p:clrMapOvr>
+</p:notes>
+</file>
+
+<file path=ppt/notesSlides/notesSlide5.xml><?xml version="1.0" encoding="utf-8"?>
+<p:notes xmlns:a="http://schemas.openxmlformats.org/drawingml/2006/main" xmlns:r="http://schemas.openxmlformats.org/officeDocument/2006/relationships" xmlns:p="http://schemas.openxmlformats.org/presentationml/2006/main">
+  <p:cSld>
+    <p:spTree>
+      <p:nvGrpSpPr>
+        <p:cNvPr id="1" name=""/>
+        <p:cNvGrpSpPr/>
+        <p:nvPr/>
+      </p:nvGrpSpPr>
+      <p:grpSpPr>
+        <a:xfrm>
+          <a:off x="0" y="0"/>
+          <a:ext cx="0" cy="0"/>
+          <a:chOff x="0" y="0"/>
+          <a:chExt cx="0" cy="0"/>
+        </a:xfrm>
+      </p:grpSpPr>
+      <p:sp>
+        <p:nvSpPr>
+          <p:cNvPr id="2" name="Slide Image Placeholder 1"/>
+          <p:cNvSpPr>
+            <a:spLocks noGrp="1" noRot="1" noChangeAspect="1"/>
+          </p:cNvSpPr>
+          <p:nvPr>
+            <p:ph type="sldImg"/>
+          </p:nvPr>
+        </p:nvSpPr>
+        <p:spPr/>
+      </p:sp>
+      <p:sp>
+        <p:nvSpPr>
+          <p:cNvPr id="3" name="Notes Placeholder 2"/>
+          <p:cNvSpPr>
+            <a:spLocks noGrp="1"/>
+          </p:cNvSpPr>
+          <p:nvPr>
+            <p:ph type="body" idx="1"/>
+          </p:nvPr>
+        </p:nvSpPr>
+        <p:spPr/>
+        <p:txBody>
+          <a:bodyPr/>
+          <a:lstStyle/>
+          <a:p>
+            <a:endParaRPr lang="en-US" dirty="0"/>
+          </a:p>
+        </p:txBody>
+      </p:sp>
+      <p:sp>
+        <p:nvSpPr>
+          <p:cNvPr id="4" name="Slide Number Placeholder 3"/>
+          <p:cNvSpPr>
+            <a:spLocks noGrp="1"/>
+          </p:cNvSpPr>
+          <p:nvPr>
+            <p:ph type="sldNum" sz="quarter" idx="5"/>
+          </p:nvPr>
+        </p:nvSpPr>
+        <p:spPr/>
+        <p:txBody>
+          <a:bodyPr/>
+          <a:lstStyle/>
+          <a:p>
+            <a:fld id="{1E423D94-705C-4504-911F-B0FC4EFA50F0}" type="slidenum">
+              <a:rPr lang="en-US" smtClean="0"/>
+              <a:t>5</a:t>
+            </a:fld>
+            <a:endParaRPr lang="en-US"/>
+          </a:p>
+        </p:txBody>
+      </p:sp>
+    </p:spTree>
+    <p:extLst>
+      <p:ext uri="{BB962C8B-B14F-4D97-AF65-F5344CB8AC3E}">
+        <p14:creationId xmlns:p14="http://schemas.microsoft.com/office/powerpoint/2010/main" val="1281342443"/>
+      </p:ext>
+    </p:extLst>
+  </p:cSld>
+  <p:clrMapOvr>
+    <a:masterClrMapping/>
+  </p:clrMapOvr>
+</p:notes>
+</file>
+
+<file path=ppt/notesSlides/notesSlide6.xml><?xml version="1.0" encoding="utf-8"?>
+<p:notes xmlns:a="http://schemas.openxmlformats.org/drawingml/2006/main" xmlns:r="http://schemas.openxmlformats.org/officeDocument/2006/relationships" xmlns:p="http://schemas.openxmlformats.org/presentationml/2006/main">
+  <p:cSld>
+    <p:spTree>
+      <p:nvGrpSpPr>
+        <p:cNvPr id="1" name=""/>
+        <p:cNvGrpSpPr/>
+        <p:nvPr/>
+      </p:nvGrpSpPr>
+      <p:grpSpPr>
+        <a:xfrm>
+          <a:off x="0" y="0"/>
+          <a:ext cx="0" cy="0"/>
+          <a:chOff x="0" y="0"/>
+          <a:chExt cx="0" cy="0"/>
+        </a:xfrm>
+      </p:grpSpPr>
+      <p:sp>
+        <p:nvSpPr>
+          <p:cNvPr id="2" name="Slide Image Placeholder 1"/>
+          <p:cNvSpPr>
+            <a:spLocks noGrp="1" noRot="1" noChangeAspect="1"/>
+          </p:cNvSpPr>
+          <p:nvPr>
+            <p:ph type="sldImg"/>
+          </p:nvPr>
+        </p:nvSpPr>
+        <p:spPr/>
+      </p:sp>
+      <p:sp>
+        <p:nvSpPr>
+          <p:cNvPr id="3" name="Notes Placeholder 2"/>
+          <p:cNvSpPr>
+            <a:spLocks noGrp="1"/>
+          </p:cNvSpPr>
+          <p:nvPr>
+            <p:ph type="body" idx="1"/>
+          </p:nvPr>
+        </p:nvSpPr>
+        <p:spPr/>
+        <p:txBody>
+          <a:bodyPr/>
+          <a:lstStyle/>
+          <a:p>
+            <a:endParaRPr lang="en-US" dirty="0"/>
+          </a:p>
+        </p:txBody>
+      </p:sp>
+      <p:sp>
+        <p:nvSpPr>
+          <p:cNvPr id="4" name="Slide Number Placeholder 3"/>
+          <p:cNvSpPr>
+            <a:spLocks noGrp="1"/>
+          </p:cNvSpPr>
+          <p:nvPr>
+            <p:ph type="sldNum" sz="quarter" idx="5"/>
+          </p:nvPr>
+        </p:nvSpPr>
+        <p:spPr/>
+        <p:txBody>
+          <a:bodyPr/>
+          <a:lstStyle/>
+          <a:p>
+            <a:fld id="{1E423D94-705C-4504-911F-B0FC4EFA50F0}" type="slidenum">
+              <a:rPr lang="en-US" smtClean="0"/>
+              <a:t>6</a:t>
+            </a:fld>
+            <a:endParaRPr lang="en-US"/>
+          </a:p>
+        </p:txBody>
+      </p:sp>
+    </p:spTree>
+    <p:extLst>
+      <p:ext uri="{BB962C8B-B14F-4D97-AF65-F5344CB8AC3E}">
+        <p14:creationId xmlns:p14="http://schemas.microsoft.com/office/powerpoint/2010/main" val="2756019400"/>
+      </p:ext>
+    </p:extLst>
+  </p:cSld>
+  <p:clrMapOvr>
+    <a:masterClrMapping/>
+  </p:clrMapOvr>
+</p:notes>
+</file>
+
+<file path=ppt/notesSlides/notesSlide7.xml><?xml version="1.0" encoding="utf-8"?>
+<p:notes xmlns:a="http://schemas.openxmlformats.org/drawingml/2006/main" xmlns:r="http://schemas.openxmlformats.org/officeDocument/2006/relationships" xmlns:p="http://schemas.openxmlformats.org/presentationml/2006/main">
+  <p:cSld>
+    <p:spTree>
+      <p:nvGrpSpPr>
+        <p:cNvPr id="1" name=""/>
+        <p:cNvGrpSpPr/>
+        <p:nvPr/>
+      </p:nvGrpSpPr>
+      <p:grpSpPr>
+        <a:xfrm>
+          <a:off x="0" y="0"/>
+          <a:ext cx="0" cy="0"/>
+          <a:chOff x="0" y="0"/>
+          <a:chExt cx="0" cy="0"/>
+        </a:xfrm>
+      </p:grpSpPr>
+      <p:sp>
+        <p:nvSpPr>
+          <p:cNvPr id="2" name="Slide Image Placeholder 1"/>
+          <p:cNvSpPr>
+            <a:spLocks noGrp="1" noRot="1" noChangeAspect="1"/>
+          </p:cNvSpPr>
+          <p:nvPr>
+            <p:ph type="sldImg"/>
+          </p:nvPr>
+        </p:nvSpPr>
+        <p:spPr/>
+      </p:sp>
+      <p:sp>
+        <p:nvSpPr>
+          <p:cNvPr id="3" name="Notes Placeholder 2"/>
+          <p:cNvSpPr>
+            <a:spLocks noGrp="1"/>
+          </p:cNvSpPr>
+          <p:nvPr>
+            <p:ph type="body" idx="1"/>
+          </p:nvPr>
+        </p:nvSpPr>
+        <p:spPr/>
+        <p:txBody>
+          <a:bodyPr/>
+          <a:lstStyle/>
+          <a:p>
+            <a:endParaRPr lang="en-US" dirty="0"/>
+          </a:p>
+        </p:txBody>
+      </p:sp>
+      <p:sp>
+        <p:nvSpPr>
+          <p:cNvPr id="4" name="Slide Number Placeholder 3"/>
+          <p:cNvSpPr>
+            <a:spLocks noGrp="1"/>
+          </p:cNvSpPr>
+          <p:nvPr>
+            <p:ph type="sldNum" sz="quarter" idx="5"/>
+          </p:nvPr>
+        </p:nvSpPr>
+        <p:spPr/>
+        <p:txBody>
+          <a:bodyPr/>
+          <a:lstStyle/>
+          <a:p>
+            <a:fld id="{1E423D94-705C-4504-911F-B0FC4EFA50F0}" type="slidenum">
+              <a:rPr lang="en-US" smtClean="0"/>
+              <a:t>7</a:t>
+            </a:fld>
+            <a:endParaRPr lang="en-US"/>
+          </a:p>
+        </p:txBody>
+      </p:sp>
+    </p:spTree>
+    <p:extLst>
+      <p:ext uri="{BB962C8B-B14F-4D97-AF65-F5344CB8AC3E}">
+        <p14:creationId xmlns:p14="http://schemas.microsoft.com/office/powerpoint/2010/main" val="252692487"/>
+      </p:ext>
+    </p:extLst>
+  </p:cSld>
+  <p:clrMapOvr>
+    <a:masterClrMapping/>
+  </p:clrMapOvr>
+</p:notes>
+</file>
+
+<file path=ppt/notesSlides/notesSlide8.xml><?xml version="1.0" encoding="utf-8"?>
+<p:notes xmlns:a="http://schemas.openxmlformats.org/drawingml/2006/main" xmlns:r="http://schemas.openxmlformats.org/officeDocument/2006/relationships" xmlns:p="http://schemas.openxmlformats.org/presentationml/2006/main">
+  <p:cSld>
+    <p:spTree>
+      <p:nvGrpSpPr>
+        <p:cNvPr id="1" name=""/>
+        <p:cNvGrpSpPr/>
+        <p:nvPr/>
+      </p:nvGrpSpPr>
+      <p:grpSpPr>
+        <a:xfrm>
+          <a:off x="0" y="0"/>
+          <a:ext cx="0" cy="0"/>
+          <a:chOff x="0" y="0"/>
+          <a:chExt cx="0" cy="0"/>
+        </a:xfrm>
+      </p:grpSpPr>
+      <p:sp>
+        <p:nvSpPr>
+          <p:cNvPr id="2" name="Slide Image Placeholder 1"/>
+          <p:cNvSpPr>
+            <a:spLocks noGrp="1" noRot="1" noChangeAspect="1"/>
+          </p:cNvSpPr>
+          <p:nvPr>
+            <p:ph type="sldImg"/>
+          </p:nvPr>
+        </p:nvSpPr>
+        <p:spPr/>
+      </p:sp>
+      <p:sp>
+        <p:nvSpPr>
+          <p:cNvPr id="3" name="Notes Placeholder 2"/>
+          <p:cNvSpPr>
+            <a:spLocks noGrp="1"/>
+          </p:cNvSpPr>
+          <p:nvPr>
+            <p:ph type="body" idx="1"/>
+          </p:nvPr>
+        </p:nvSpPr>
+        <p:spPr/>
+        <p:txBody>
+          <a:bodyPr/>
+          <a:lstStyle/>
+          <a:p>
+            <a:endParaRPr lang="en-US" dirty="0"/>
+          </a:p>
+        </p:txBody>
+      </p:sp>
+      <p:sp>
+        <p:nvSpPr>
+          <p:cNvPr id="4" name="Slide Number Placeholder 3"/>
+          <p:cNvSpPr>
+            <a:spLocks noGrp="1"/>
+          </p:cNvSpPr>
+          <p:nvPr>
+            <p:ph type="sldNum" sz="quarter" idx="5"/>
+          </p:nvPr>
+        </p:nvSpPr>
+        <p:spPr/>
+        <p:txBody>
+          <a:bodyPr/>
+          <a:lstStyle/>
+          <a:p>
+            <a:fld id="{1E423D94-705C-4504-911F-B0FC4EFA50F0}" type="slidenum">
+              <a:rPr lang="en-US" smtClean="0"/>
+              <a:t>8</a:t>
+            </a:fld>
+            <a:endParaRPr lang="en-US"/>
+          </a:p>
+        </p:txBody>
+      </p:sp>
+    </p:spTree>
+    <p:extLst>
+      <p:ext uri="{BB962C8B-B14F-4D97-AF65-F5344CB8AC3E}">
+        <p14:creationId xmlns:p14="http://schemas.microsoft.com/office/powerpoint/2010/main" val="3308692327"/>
       </p:ext>
     </p:extLst>
   </p:cSld>
@@ -3555,6 +3895,18 @@
               <a:t>Työssä perehdytään pelimoottorin kasaamiseen</a:t>
             </a:r>
           </a:p>
+          <a:p>
+            <a:r>
+              <a:rPr lang="fi-FI" dirty="0"/>
+              <a:t>Tavoitteena toteuttaa pelidemo, jossa pystyy liikuttamaan pelaajahahmoa</a:t>
+            </a:r>
+          </a:p>
+          <a:p>
+            <a:r>
+              <a:rPr lang="fi-FI" dirty="0"/>
+              <a:t>Pelidemo sisältää mallien lataamisen ja piirtämisen, äänentoiston sekä käyttäjän syötteen hallinnan</a:t>
+            </a:r>
+          </a:p>
         </p:txBody>
       </p:sp>
     </p:spTree>
@@ -3607,7 +3959,7 @@
           <a:p>
             <a:r>
               <a:rPr lang="fi-FI" dirty="0"/>
-              <a:t>Toteutus</a:t>
+              <a:t>Ikkunan luonti</a:t>
             </a:r>
           </a:p>
         </p:txBody>
@@ -3629,11 +3981,87 @@
           <a:p>
             <a:r>
               <a:rPr lang="fi-FI" dirty="0"/>
-              <a:t>Opinnäytetyössä käydään </a:t>
-            </a:r>
-          </a:p>
-        </p:txBody>
-      </p:sp>
+              <a:t>GL </a:t>
+            </a:r>
+            <a:r>
+              <a:rPr lang="fi-FI" dirty="0" err="1"/>
+              <a:t>Frame</a:t>
+            </a:r>
+            <a:r>
+              <a:rPr lang="fi-FI" dirty="0"/>
+              <a:t> </a:t>
+            </a:r>
+            <a:r>
+              <a:rPr lang="fi-FI" dirty="0" err="1"/>
+              <a:t>Work</a:t>
+            </a:r>
+            <a:r>
+              <a:rPr lang="fi-FI" dirty="0"/>
+              <a:t> (GLFW)</a:t>
+            </a:r>
+          </a:p>
+        </p:txBody>
+      </p:sp>
+      <p:pic>
+        <p:nvPicPr>
+          <p:cNvPr id="4" name="Picture 3">
+            <a:extLst>
+              <a:ext uri="{FF2B5EF4-FFF2-40B4-BE49-F238E27FC236}">
+                <a16:creationId xmlns:a16="http://schemas.microsoft.com/office/drawing/2014/main" id="{CA9E0F1B-EA05-4867-9334-F3662BBD977D}"/>
+              </a:ext>
+            </a:extLst>
+          </p:cNvPr>
+          <p:cNvPicPr>
+            <a:picLocks noChangeAspect="1"/>
+          </p:cNvPicPr>
+          <p:nvPr/>
+        </p:nvPicPr>
+        <p:blipFill>
+          <a:blip r:embed="rId3"/>
+          <a:stretch>
+            <a:fillRect/>
+          </a:stretch>
+        </p:blipFill>
+        <p:spPr>
+          <a:xfrm>
+            <a:off x="869428" y="2651759"/>
+            <a:ext cx="2511945" cy="3025139"/>
+          </a:xfrm>
+          <a:prstGeom prst="rect">
+            <a:avLst/>
+          </a:prstGeom>
+        </p:spPr>
+      </p:pic>
+      <p:pic>
+        <p:nvPicPr>
+          <p:cNvPr id="6" name="Picture 5">
+            <a:extLst>
+              <a:ext uri="{FF2B5EF4-FFF2-40B4-BE49-F238E27FC236}">
+                <a16:creationId xmlns:a16="http://schemas.microsoft.com/office/drawing/2014/main" id="{FD8A5420-5097-4E5E-A4D5-F92C8D9D8DC1}"/>
+              </a:ext>
+            </a:extLst>
+          </p:cNvPr>
+          <p:cNvPicPr>
+            <a:picLocks noChangeAspect="1"/>
+          </p:cNvPicPr>
+          <p:nvPr/>
+        </p:nvPicPr>
+        <p:blipFill>
+          <a:blip r:embed="rId4"/>
+          <a:stretch>
+            <a:fillRect/>
+          </a:stretch>
+        </p:blipFill>
+        <p:spPr>
+          <a:xfrm>
+            <a:off x="4168140" y="2625469"/>
+            <a:ext cx="3761954" cy="2972931"/>
+          </a:xfrm>
+          <a:prstGeom prst="rect">
+            <a:avLst/>
+          </a:prstGeom>
+        </p:spPr>
+      </p:pic>
     </p:spTree>
     <p:extLst>
       <p:ext uri="{BB962C8B-B14F-4D97-AF65-F5344CB8AC3E}">
@@ -3651,6 +4079,685 @@
 </file>
 
 <file path=ppt/slides/slide5.xml><?xml version="1.0" encoding="utf-8"?>
+<p:sld xmlns:a="http://schemas.openxmlformats.org/drawingml/2006/main" xmlns:r="http://schemas.openxmlformats.org/officeDocument/2006/relationships" xmlns:p="http://schemas.openxmlformats.org/presentationml/2006/main">
+  <p:cSld>
+    <p:spTree>
+      <p:nvGrpSpPr>
+        <p:cNvPr id="1" name=""/>
+        <p:cNvGrpSpPr/>
+        <p:nvPr/>
+      </p:nvGrpSpPr>
+      <p:grpSpPr>
+        <a:xfrm>
+          <a:off x="0" y="0"/>
+          <a:ext cx="0" cy="0"/>
+          <a:chOff x="0" y="0"/>
+          <a:chExt cx="0" cy="0"/>
+        </a:xfrm>
+      </p:grpSpPr>
+      <p:sp>
+        <p:nvSpPr>
+          <p:cNvPr id="2" name="Otsikko 1"/>
+          <p:cNvSpPr>
+            <a:spLocks noGrp="1"/>
+          </p:cNvSpPr>
+          <p:nvPr>
+            <p:ph type="title"/>
+          </p:nvPr>
+        </p:nvSpPr>
+        <p:spPr/>
+        <p:txBody>
+          <a:bodyPr/>
+          <a:lstStyle/>
+          <a:p>
+            <a:r>
+              <a:rPr lang="fi-FI" dirty="0"/>
+              <a:t>Varjostinohjelma</a:t>
+            </a:r>
+          </a:p>
+        </p:txBody>
+      </p:sp>
+      <p:sp>
+        <p:nvSpPr>
+          <p:cNvPr id="3" name="Sisällön paikkamerkki 2"/>
+          <p:cNvSpPr>
+            <a:spLocks noGrp="1"/>
+          </p:cNvSpPr>
+          <p:nvPr>
+            <p:ph idx="1"/>
+          </p:nvPr>
+        </p:nvSpPr>
+        <p:spPr/>
+        <p:txBody>
+          <a:bodyPr/>
+          <a:lstStyle/>
+          <a:p>
+            <a:r>
+              <a:rPr lang="fi-FI" dirty="0"/>
+              <a:t>OpenGL </a:t>
+            </a:r>
+            <a:r>
+              <a:rPr lang="fi-FI" dirty="0" err="1"/>
+              <a:t>Shading</a:t>
+            </a:r>
+            <a:r>
+              <a:rPr lang="fi-FI" dirty="0"/>
+              <a:t> Language (GLSL)</a:t>
+            </a:r>
+          </a:p>
+          <a:p>
+            <a:r>
+              <a:rPr lang="fi-FI" dirty="0" err="1"/>
+              <a:t>Verteksivarjostin</a:t>
+            </a:r>
+            <a:endParaRPr lang="fi-FI" dirty="0"/>
+          </a:p>
+          <a:p>
+            <a:r>
+              <a:rPr lang="fi-FI" dirty="0"/>
+              <a:t>Pikselivarjostin</a:t>
+            </a:r>
+          </a:p>
+        </p:txBody>
+      </p:sp>
+      <p:pic>
+        <p:nvPicPr>
+          <p:cNvPr id="5" name="Picture 4">
+            <a:extLst>
+              <a:ext uri="{FF2B5EF4-FFF2-40B4-BE49-F238E27FC236}">
+                <a16:creationId xmlns:a16="http://schemas.microsoft.com/office/drawing/2014/main" id="{8D2447D6-CBB1-4E49-B165-B4B276E8AE39}"/>
+              </a:ext>
+            </a:extLst>
+          </p:cNvPr>
+          <p:cNvPicPr>
+            <a:picLocks noChangeAspect="1"/>
+          </p:cNvPicPr>
+          <p:nvPr/>
+        </p:nvPicPr>
+        <p:blipFill>
+          <a:blip r:embed="rId3"/>
+          <a:stretch>
+            <a:fillRect/>
+          </a:stretch>
+        </p:blipFill>
+        <p:spPr>
+          <a:xfrm>
+            <a:off x="4671662" y="2777490"/>
+            <a:ext cx="4177068" cy="2614424"/>
+          </a:xfrm>
+          <a:prstGeom prst="rect">
+            <a:avLst/>
+          </a:prstGeom>
+        </p:spPr>
+      </p:pic>
+      <p:pic>
+        <p:nvPicPr>
+          <p:cNvPr id="7" name="Picture 6">
+            <a:extLst>
+              <a:ext uri="{FF2B5EF4-FFF2-40B4-BE49-F238E27FC236}">
+                <a16:creationId xmlns:a16="http://schemas.microsoft.com/office/drawing/2014/main" id="{219AC233-F7A8-4AED-8A06-1FB6EF3A9905}"/>
+              </a:ext>
+            </a:extLst>
+          </p:cNvPr>
+          <p:cNvPicPr>
+            <a:picLocks noChangeAspect="1"/>
+          </p:cNvPicPr>
+          <p:nvPr/>
+        </p:nvPicPr>
+        <p:blipFill>
+          <a:blip r:embed="rId4"/>
+          <a:stretch>
+            <a:fillRect/>
+          </a:stretch>
+        </p:blipFill>
+        <p:spPr>
+          <a:xfrm>
+            <a:off x="295270" y="3235642"/>
+            <a:ext cx="4276730" cy="1140965"/>
+          </a:xfrm>
+          <a:prstGeom prst="rect">
+            <a:avLst/>
+          </a:prstGeom>
+        </p:spPr>
+      </p:pic>
+      <p:pic>
+        <p:nvPicPr>
+          <p:cNvPr id="8" name="Picture 7">
+            <a:extLst>
+              <a:ext uri="{FF2B5EF4-FFF2-40B4-BE49-F238E27FC236}">
+                <a16:creationId xmlns:a16="http://schemas.microsoft.com/office/drawing/2014/main" id="{E9108484-D9CA-4279-9580-8AC478166008}"/>
+              </a:ext>
+            </a:extLst>
+          </p:cNvPr>
+          <p:cNvPicPr>
+            <a:picLocks noChangeAspect="1"/>
+          </p:cNvPicPr>
+          <p:nvPr/>
+        </p:nvPicPr>
+        <p:blipFill>
+          <a:blip r:embed="rId5"/>
+          <a:stretch>
+            <a:fillRect/>
+          </a:stretch>
+        </p:blipFill>
+        <p:spPr>
+          <a:xfrm>
+            <a:off x="295270" y="4466874"/>
+            <a:ext cx="3987800" cy="1338661"/>
+          </a:xfrm>
+          <a:prstGeom prst="rect">
+            <a:avLst/>
+          </a:prstGeom>
+        </p:spPr>
+      </p:pic>
+    </p:spTree>
+    <p:extLst>
+      <p:ext uri="{BB962C8B-B14F-4D97-AF65-F5344CB8AC3E}">
+        <p14:creationId xmlns:p14="http://schemas.microsoft.com/office/powerpoint/2010/main" val="2988029913"/>
+      </p:ext>
+    </p:extLst>
+  </p:cSld>
+  <p:clrMapOvr>
+    <a:masterClrMapping/>
+  </p:clrMapOvr>
+  <p:transition spd="med">
+    <p:push dir="u"/>
+  </p:transition>
+</p:sld>
+</file>
+
+<file path=ppt/slides/slide6.xml><?xml version="1.0" encoding="utf-8"?>
+<p:sld xmlns:a="http://schemas.openxmlformats.org/drawingml/2006/main" xmlns:r="http://schemas.openxmlformats.org/officeDocument/2006/relationships" xmlns:p="http://schemas.openxmlformats.org/presentationml/2006/main">
+  <p:cSld>
+    <p:spTree>
+      <p:nvGrpSpPr>
+        <p:cNvPr id="1" name=""/>
+        <p:cNvGrpSpPr/>
+        <p:nvPr/>
+      </p:nvGrpSpPr>
+      <p:grpSpPr>
+        <a:xfrm>
+          <a:off x="0" y="0"/>
+          <a:ext cx="0" cy="0"/>
+          <a:chOff x="0" y="0"/>
+          <a:chExt cx="0" cy="0"/>
+        </a:xfrm>
+      </p:grpSpPr>
+      <p:sp>
+        <p:nvSpPr>
+          <p:cNvPr id="2" name="Otsikko 1"/>
+          <p:cNvSpPr>
+            <a:spLocks noGrp="1"/>
+          </p:cNvSpPr>
+          <p:nvPr>
+            <p:ph type="title"/>
+          </p:nvPr>
+        </p:nvSpPr>
+        <p:spPr/>
+        <p:txBody>
+          <a:bodyPr/>
+          <a:lstStyle/>
+          <a:p>
+            <a:r>
+              <a:rPr lang="fi-FI" dirty="0"/>
+              <a:t>Kolmion piirto ruudulle</a:t>
+            </a:r>
+          </a:p>
+        </p:txBody>
+      </p:sp>
+      <p:pic>
+        <p:nvPicPr>
+          <p:cNvPr id="4" name="Content Placeholder 3">
+            <a:extLst>
+              <a:ext uri="{FF2B5EF4-FFF2-40B4-BE49-F238E27FC236}">
+                <a16:creationId xmlns:a16="http://schemas.microsoft.com/office/drawing/2014/main" id="{99D2B7FF-A697-49CC-B135-80C93AD06D7B}"/>
+              </a:ext>
+            </a:extLst>
+          </p:cNvPr>
+          <p:cNvPicPr>
+            <a:picLocks noGrp="1" noChangeAspect="1"/>
+          </p:cNvPicPr>
+          <p:nvPr>
+            <p:ph idx="1"/>
+          </p:nvPr>
+        </p:nvPicPr>
+        <p:blipFill>
+          <a:blip r:embed="rId3"/>
+          <a:stretch>
+            <a:fillRect/>
+          </a:stretch>
+        </p:blipFill>
+        <p:spPr>
+          <a:xfrm>
+            <a:off x="135496" y="2049464"/>
+            <a:ext cx="2914650" cy="1066800"/>
+          </a:xfrm>
+          <a:prstGeom prst="rect">
+            <a:avLst/>
+          </a:prstGeom>
+        </p:spPr>
+      </p:pic>
+      <p:pic>
+        <p:nvPicPr>
+          <p:cNvPr id="6" name="Picture 5">
+            <a:extLst>
+              <a:ext uri="{FF2B5EF4-FFF2-40B4-BE49-F238E27FC236}">
+                <a16:creationId xmlns:a16="http://schemas.microsoft.com/office/drawing/2014/main" id="{307C4A27-7136-4FED-B8AD-732A97EE372B}"/>
+              </a:ext>
+            </a:extLst>
+          </p:cNvPr>
+          <p:cNvPicPr>
+            <a:picLocks noChangeAspect="1"/>
+          </p:cNvPicPr>
+          <p:nvPr/>
+        </p:nvPicPr>
+        <p:blipFill>
+          <a:blip r:embed="rId4"/>
+          <a:stretch>
+            <a:fillRect/>
+          </a:stretch>
+        </p:blipFill>
+        <p:spPr>
+          <a:xfrm>
+            <a:off x="135496" y="3146427"/>
+            <a:ext cx="3766185" cy="2681469"/>
+          </a:xfrm>
+          <a:prstGeom prst="rect">
+            <a:avLst/>
+          </a:prstGeom>
+        </p:spPr>
+      </p:pic>
+      <p:pic>
+        <p:nvPicPr>
+          <p:cNvPr id="10" name="Picture 9">
+            <a:extLst>
+              <a:ext uri="{FF2B5EF4-FFF2-40B4-BE49-F238E27FC236}">
+                <a16:creationId xmlns:a16="http://schemas.microsoft.com/office/drawing/2014/main" id="{165E2D9A-F87E-4CE9-8D9C-C507B3661C28}"/>
+              </a:ext>
+            </a:extLst>
+          </p:cNvPr>
+          <p:cNvPicPr>
+            <a:picLocks noChangeAspect="1"/>
+          </p:cNvPicPr>
+          <p:nvPr/>
+        </p:nvPicPr>
+        <p:blipFill>
+          <a:blip r:embed="rId5"/>
+          <a:stretch>
+            <a:fillRect/>
+          </a:stretch>
+        </p:blipFill>
+        <p:spPr>
+          <a:xfrm>
+            <a:off x="4322766" y="2920195"/>
+            <a:ext cx="4110024" cy="3082518"/>
+          </a:xfrm>
+          <a:prstGeom prst="rect">
+            <a:avLst/>
+          </a:prstGeom>
+        </p:spPr>
+      </p:pic>
+      <p:pic>
+        <p:nvPicPr>
+          <p:cNvPr id="11" name="Picture 10">
+            <a:extLst>
+              <a:ext uri="{FF2B5EF4-FFF2-40B4-BE49-F238E27FC236}">
+                <a16:creationId xmlns:a16="http://schemas.microsoft.com/office/drawing/2014/main" id="{8E22F21A-8ACA-42FA-9AE4-A4A939FAEE50}"/>
+              </a:ext>
+            </a:extLst>
+          </p:cNvPr>
+          <p:cNvPicPr>
+            <a:picLocks noChangeAspect="1"/>
+          </p:cNvPicPr>
+          <p:nvPr/>
+        </p:nvPicPr>
+        <p:blipFill>
+          <a:blip r:embed="rId6"/>
+          <a:stretch>
+            <a:fillRect/>
+          </a:stretch>
+        </p:blipFill>
+        <p:spPr>
+          <a:xfrm>
+            <a:off x="3189043" y="2054188"/>
+            <a:ext cx="5819461" cy="643791"/>
+          </a:xfrm>
+          <a:prstGeom prst="rect">
+            <a:avLst/>
+          </a:prstGeom>
+        </p:spPr>
+      </p:pic>
+    </p:spTree>
+    <p:extLst>
+      <p:ext uri="{BB962C8B-B14F-4D97-AF65-F5344CB8AC3E}">
+        <p14:creationId xmlns:p14="http://schemas.microsoft.com/office/powerpoint/2010/main" val="163625029"/>
+      </p:ext>
+    </p:extLst>
+  </p:cSld>
+  <p:clrMapOvr>
+    <a:masterClrMapping/>
+  </p:clrMapOvr>
+  <p:transition spd="med">
+    <p:push dir="u"/>
+  </p:transition>
+</p:sld>
+</file>
+
+<file path=ppt/slides/slide7.xml><?xml version="1.0" encoding="utf-8"?>
+<p:sld xmlns:a="http://schemas.openxmlformats.org/drawingml/2006/main" xmlns:r="http://schemas.openxmlformats.org/officeDocument/2006/relationships" xmlns:p="http://schemas.openxmlformats.org/presentationml/2006/main">
+  <p:cSld>
+    <p:spTree>
+      <p:nvGrpSpPr>
+        <p:cNvPr id="1" name=""/>
+        <p:cNvGrpSpPr/>
+        <p:nvPr/>
+      </p:nvGrpSpPr>
+      <p:grpSpPr>
+        <a:xfrm>
+          <a:off x="0" y="0"/>
+          <a:ext cx="0" cy="0"/>
+          <a:chOff x="0" y="0"/>
+          <a:chExt cx="0" cy="0"/>
+        </a:xfrm>
+      </p:grpSpPr>
+      <p:sp>
+        <p:nvSpPr>
+          <p:cNvPr id="2" name="Otsikko 1"/>
+          <p:cNvSpPr>
+            <a:spLocks noGrp="1"/>
+          </p:cNvSpPr>
+          <p:nvPr>
+            <p:ph type="title"/>
+          </p:nvPr>
+        </p:nvSpPr>
+        <p:spPr/>
+        <p:txBody>
+          <a:bodyPr/>
+          <a:lstStyle/>
+          <a:p>
+            <a:r>
+              <a:rPr lang="fi-FI" dirty="0"/>
+              <a:t>Tekstuurit</a:t>
+            </a:r>
+          </a:p>
+        </p:txBody>
+      </p:sp>
+      <p:sp>
+        <p:nvSpPr>
+          <p:cNvPr id="5" name="Content Placeholder 4">
+            <a:extLst>
+              <a:ext uri="{FF2B5EF4-FFF2-40B4-BE49-F238E27FC236}">
+                <a16:creationId xmlns:a16="http://schemas.microsoft.com/office/drawing/2014/main" id="{A898BBB4-2C2D-4779-8C1D-94642BB38BCF}"/>
+              </a:ext>
+            </a:extLst>
+          </p:cNvPr>
+          <p:cNvSpPr>
+            <a:spLocks noGrp="1"/>
+          </p:cNvSpPr>
+          <p:nvPr>
+            <p:ph idx="1"/>
+          </p:nvPr>
+        </p:nvSpPr>
+        <p:spPr/>
+        <p:txBody>
+          <a:bodyPr/>
+          <a:lstStyle/>
+          <a:p>
+            <a:endParaRPr lang="en-US" dirty="0"/>
+          </a:p>
+        </p:txBody>
+      </p:sp>
+      <p:pic>
+        <p:nvPicPr>
+          <p:cNvPr id="9" name="Picture 8">
+            <a:extLst>
+              <a:ext uri="{FF2B5EF4-FFF2-40B4-BE49-F238E27FC236}">
+                <a16:creationId xmlns:a16="http://schemas.microsoft.com/office/drawing/2014/main" id="{0E425BCD-CCC4-44ED-B24B-80BE782BB946}"/>
+              </a:ext>
+            </a:extLst>
+          </p:cNvPr>
+          <p:cNvPicPr/>
+          <p:nvPr/>
+        </p:nvPicPr>
+        <p:blipFill>
+          <a:blip r:embed="rId3" cstate="print">
+            <a:extLst>
+              <a:ext uri="{28A0092B-C50C-407E-A947-70E740481C1C}">
+                <a14:useLocalDpi xmlns:a14="http://schemas.microsoft.com/office/drawing/2010/main" val="0"/>
+              </a:ext>
+            </a:extLst>
+          </a:blip>
+          <a:stretch>
+            <a:fillRect/>
+          </a:stretch>
+        </p:blipFill>
+        <p:spPr>
+          <a:xfrm>
+            <a:off x="5136101" y="1890110"/>
+            <a:ext cx="3834099" cy="3021474"/>
+          </a:xfrm>
+          <a:prstGeom prst="rect">
+            <a:avLst/>
+          </a:prstGeom>
+        </p:spPr>
+      </p:pic>
+      <p:pic>
+        <p:nvPicPr>
+          <p:cNvPr id="7" name="Picture 6">
+            <a:extLst>
+              <a:ext uri="{FF2B5EF4-FFF2-40B4-BE49-F238E27FC236}">
+                <a16:creationId xmlns:a16="http://schemas.microsoft.com/office/drawing/2014/main" id="{98A40142-4D2F-4B2E-89EA-EC2C1EEAF5BB}"/>
+              </a:ext>
+            </a:extLst>
+          </p:cNvPr>
+          <p:cNvPicPr>
+            <a:picLocks noChangeAspect="1"/>
+          </p:cNvPicPr>
+          <p:nvPr/>
+        </p:nvPicPr>
+        <p:blipFill>
+          <a:blip r:embed="rId4"/>
+          <a:stretch>
+            <a:fillRect/>
+          </a:stretch>
+        </p:blipFill>
+        <p:spPr>
+          <a:xfrm>
+            <a:off x="173800" y="1890110"/>
+            <a:ext cx="4729041" cy="1663318"/>
+          </a:xfrm>
+          <a:prstGeom prst="rect">
+            <a:avLst/>
+          </a:prstGeom>
+        </p:spPr>
+      </p:pic>
+      <p:pic>
+        <p:nvPicPr>
+          <p:cNvPr id="8" name="Picture 7">
+            <a:extLst>
+              <a:ext uri="{FF2B5EF4-FFF2-40B4-BE49-F238E27FC236}">
+                <a16:creationId xmlns:a16="http://schemas.microsoft.com/office/drawing/2014/main" id="{CACE891E-1CEC-4838-95BF-94AB40096ABB}"/>
+              </a:ext>
+            </a:extLst>
+          </p:cNvPr>
+          <p:cNvPicPr>
+            <a:picLocks noChangeAspect="1"/>
+          </p:cNvPicPr>
+          <p:nvPr/>
+        </p:nvPicPr>
+        <p:blipFill>
+          <a:blip r:embed="rId5"/>
+          <a:stretch>
+            <a:fillRect/>
+          </a:stretch>
+        </p:blipFill>
+        <p:spPr>
+          <a:xfrm>
+            <a:off x="173218" y="3775340"/>
+            <a:ext cx="4846253" cy="1136244"/>
+          </a:xfrm>
+          <a:prstGeom prst="rect">
+            <a:avLst/>
+          </a:prstGeom>
+        </p:spPr>
+      </p:pic>
+    </p:spTree>
+    <p:extLst>
+      <p:ext uri="{BB962C8B-B14F-4D97-AF65-F5344CB8AC3E}">
+        <p14:creationId xmlns:p14="http://schemas.microsoft.com/office/powerpoint/2010/main" val="2447714989"/>
+      </p:ext>
+    </p:extLst>
+  </p:cSld>
+  <p:clrMapOvr>
+    <a:masterClrMapping/>
+  </p:clrMapOvr>
+  <p:transition spd="med">
+    <p:push dir="u"/>
+  </p:transition>
+</p:sld>
+</file>
+
+<file path=ppt/slides/slide8.xml><?xml version="1.0" encoding="utf-8"?>
+<p:sld xmlns:a="http://schemas.openxmlformats.org/drawingml/2006/main" xmlns:r="http://schemas.openxmlformats.org/officeDocument/2006/relationships" xmlns:p="http://schemas.openxmlformats.org/presentationml/2006/main">
+  <p:cSld>
+    <p:spTree>
+      <p:nvGrpSpPr>
+        <p:cNvPr id="1" name=""/>
+        <p:cNvGrpSpPr/>
+        <p:nvPr/>
+      </p:nvGrpSpPr>
+      <p:grpSpPr>
+        <a:xfrm>
+          <a:off x="0" y="0"/>
+          <a:ext cx="0" cy="0"/>
+          <a:chOff x="0" y="0"/>
+          <a:chExt cx="0" cy="0"/>
+        </a:xfrm>
+      </p:grpSpPr>
+      <p:sp>
+        <p:nvSpPr>
+          <p:cNvPr id="2" name="Otsikko 1"/>
+          <p:cNvSpPr>
+            <a:spLocks noGrp="1"/>
+          </p:cNvSpPr>
+          <p:nvPr>
+            <p:ph type="title"/>
+          </p:nvPr>
+        </p:nvSpPr>
+        <p:spPr/>
+        <p:txBody>
+          <a:bodyPr/>
+          <a:lstStyle/>
+          <a:p>
+            <a:r>
+              <a:rPr lang="fi-FI" dirty="0"/>
+              <a:t>Kamera</a:t>
+            </a:r>
+          </a:p>
+        </p:txBody>
+      </p:sp>
+      <p:sp>
+        <p:nvSpPr>
+          <p:cNvPr id="5" name="Content Placeholder 4">
+            <a:extLst>
+              <a:ext uri="{FF2B5EF4-FFF2-40B4-BE49-F238E27FC236}">
+                <a16:creationId xmlns:a16="http://schemas.microsoft.com/office/drawing/2014/main" id="{A898BBB4-2C2D-4779-8C1D-94642BB38BCF}"/>
+              </a:ext>
+            </a:extLst>
+          </p:cNvPr>
+          <p:cNvSpPr>
+            <a:spLocks noGrp="1"/>
+          </p:cNvSpPr>
+          <p:nvPr>
+            <p:ph idx="1"/>
+          </p:nvPr>
+        </p:nvSpPr>
+        <p:spPr/>
+        <p:txBody>
+          <a:bodyPr/>
+          <a:lstStyle/>
+          <a:p>
+            <a:r>
+              <a:rPr lang="en-US" dirty="0" err="1"/>
+              <a:t>Tarvitaan</a:t>
+            </a:r>
+            <a:r>
+              <a:rPr lang="en-US" dirty="0"/>
+              <a:t> </a:t>
+            </a:r>
+            <a:r>
+              <a:rPr lang="en-US" dirty="0" err="1"/>
+              <a:t>kamerasta</a:t>
+            </a:r>
+            <a:r>
+              <a:rPr lang="en-US" dirty="0"/>
+              <a:t> </a:t>
+            </a:r>
+            <a:r>
+              <a:rPr lang="en-US" dirty="0" err="1"/>
+              <a:t>eteen</a:t>
+            </a:r>
+            <a:r>
+              <a:rPr lang="en-US" dirty="0"/>
+              <a:t>, </a:t>
+            </a:r>
+            <a:r>
+              <a:rPr lang="en-US" dirty="0" err="1"/>
+              <a:t>ylös</a:t>
+            </a:r>
+            <a:r>
+              <a:rPr lang="en-US" dirty="0"/>
+              <a:t> </a:t>
+            </a:r>
+            <a:r>
+              <a:rPr lang="en-US" dirty="0" err="1"/>
+              <a:t>sekä</a:t>
+            </a:r>
+            <a:r>
+              <a:rPr lang="en-US" dirty="0"/>
+              <a:t> </a:t>
+            </a:r>
+            <a:r>
+              <a:rPr lang="en-US" dirty="0" err="1"/>
+              <a:t>oikealle</a:t>
+            </a:r>
+            <a:r>
+              <a:rPr lang="en-US" dirty="0"/>
+              <a:t> </a:t>
+            </a:r>
+            <a:r>
+              <a:rPr lang="en-US" dirty="0" err="1"/>
+              <a:t>osoittavat</a:t>
+            </a:r>
+            <a:r>
+              <a:rPr lang="en-US" dirty="0"/>
+              <a:t> </a:t>
+            </a:r>
+            <a:r>
+              <a:rPr lang="en-US" dirty="0" err="1"/>
+              <a:t>vektorit</a:t>
+            </a:r>
+            <a:endParaRPr lang="en-US" dirty="0"/>
+          </a:p>
+        </p:txBody>
+      </p:sp>
+    </p:spTree>
+    <p:extLst>
+      <p:ext uri="{BB962C8B-B14F-4D97-AF65-F5344CB8AC3E}">
+        <p14:creationId xmlns:p14="http://schemas.microsoft.com/office/powerpoint/2010/main" val="3103754477"/>
+      </p:ext>
+    </p:extLst>
+  </p:cSld>
+  <p:clrMapOvr>
+    <a:masterClrMapping/>
+  </p:clrMapOvr>
+  <p:transition spd="med">
+    <p:push dir="u"/>
+  </p:transition>
+</p:sld>
+</file>
+
+<file path=ppt/slides/slide9.xml><?xml version="1.0" encoding="utf-8"?>
 <p:sld xmlns:a="http://schemas.openxmlformats.org/drawingml/2006/main" xmlns:r="http://schemas.openxmlformats.org/officeDocument/2006/relationships" xmlns:p="http://schemas.openxmlformats.org/presentationml/2006/main">
   <p:cSld>
     <p:spTree>
@@ -4299,12 +5406,13 @@
 </file>
 
 <file path=customXml/item1.xml><?xml version="1.0" encoding="utf-8"?>
-<?mso-contentType ?>
-<FormTemplates xmlns="http://schemas.microsoft.com/sharepoint/v3/contenttype/forms">
-  <Display>DocumentLibraryForm</Display>
-  <Edit>DocumentLibraryForm</Edit>
-  <New>DocumentLibraryForm</New>
-</FormTemplates>
+<p:properties xmlns:p="http://schemas.microsoft.com/office/2006/metadata/properties" xmlns:xsi="http://www.w3.org/2001/XMLSchema-instance" xmlns:pc="http://schemas.microsoft.com/office/infopath/2007/PartnerControls">
+  <documentManagement>
+    <a07c3fd0247140d68b99fdbcf50c8190 xmlns="25e7f6bf-72c1-4870-aa83-3dac08eebaf4">
+      <Terms xmlns="http://schemas.microsoft.com/office/infopath/2007/PartnerControls"/>
+    </a07c3fd0247140d68b99fdbcf50c8190>
+  </documentManagement>
+</p:properties>
 </file>
 
 <file path=customXml/item2.xml><?xml version="1.0" encoding="utf-8"?>
@@ -4436,19 +5544,20 @@
 </file>
 
 <file path=customXml/item3.xml><?xml version="1.0" encoding="utf-8"?>
-<p:properties xmlns:p="http://schemas.microsoft.com/office/2006/metadata/properties" xmlns:xsi="http://www.w3.org/2001/XMLSchema-instance" xmlns:pc="http://schemas.microsoft.com/office/infopath/2007/PartnerControls">
-  <documentManagement>
-    <a07c3fd0247140d68b99fdbcf50c8190 xmlns="25e7f6bf-72c1-4870-aa83-3dac08eebaf4">
-      <Terms xmlns="http://schemas.microsoft.com/office/infopath/2007/PartnerControls"/>
-    </a07c3fd0247140d68b99fdbcf50c8190>
-  </documentManagement>
-</p:properties>
+<?mso-contentType ?>
+<FormTemplates xmlns="http://schemas.microsoft.com/sharepoint/v3/contenttype/forms">
+  <Display>DocumentLibraryForm</Display>
+  <Edit>DocumentLibraryForm</Edit>
+  <New>DocumentLibraryForm</New>
+</FormTemplates>
 </file>
 
 <file path=customXml/itemProps1.xml><?xml version="1.0" encoding="utf-8"?>
-<ds:datastoreItem xmlns:ds="http://schemas.openxmlformats.org/officeDocument/2006/customXml" ds:itemID="{E4F4751A-FFB1-49A1-895C-66005EA66C56}">
+<ds:datastoreItem xmlns:ds="http://schemas.openxmlformats.org/officeDocument/2006/customXml" ds:itemID="{73A9BBC0-0279-4D7C-AB77-BCE83234F2CC}">
   <ds:schemaRefs>
-    <ds:schemaRef ds:uri="http://schemas.microsoft.com/sharepoint/v3/contenttype/forms"/>
+    <ds:schemaRef ds:uri="http://schemas.microsoft.com/office/2006/metadata/properties"/>
+    <ds:schemaRef ds:uri="http://schemas.microsoft.com/office/infopath/2007/PartnerControls"/>
+    <ds:schemaRef ds:uri="25e7f6bf-72c1-4870-aa83-3dac08eebaf4"/>
   </ds:schemaRefs>
 </ds:datastoreItem>
 </file>
@@ -4472,11 +5581,9 @@
 </file>
 
 <file path=customXml/itemProps3.xml><?xml version="1.0" encoding="utf-8"?>
-<ds:datastoreItem xmlns:ds="http://schemas.openxmlformats.org/officeDocument/2006/customXml" ds:itemID="{73A9BBC0-0279-4D7C-AB77-BCE83234F2CC}">
+<ds:datastoreItem xmlns:ds="http://schemas.openxmlformats.org/officeDocument/2006/customXml" ds:itemID="{E4F4751A-FFB1-49A1-895C-66005EA66C56}">
   <ds:schemaRefs>
-    <ds:schemaRef ds:uri="http://schemas.microsoft.com/office/2006/metadata/properties"/>
-    <ds:schemaRef ds:uri="http://schemas.microsoft.com/office/infopath/2007/PartnerControls"/>
-    <ds:schemaRef ds:uri="25e7f6bf-72c1-4870-aa83-3dac08eebaf4"/>
+    <ds:schemaRef ds:uri="http://schemas.microsoft.com/sharepoint/v3/contenttype/forms"/>
   </ds:schemaRefs>
 </ds:datastoreItem>
 </file>
--- a/Presentation/GLJRPGViimeinenSeminaariXAMK.pptx
+++ b/Presentation/GLJRPGViimeinenSeminaariXAMK.pptx
@@ -5,7 +5,7 @@
     <p:sldMasterId id="2147483648" r:id="rId4"/>
   </p:sldMasterIdLst>
   <p:notesMasterIdLst>
-    <p:notesMasterId r:id="rId14"/>
+    <p:notesMasterId r:id="rId15"/>
   </p:notesMasterIdLst>
   <p:sldIdLst>
     <p:sldId id="256" r:id="rId5"/>
@@ -16,7 +16,8 @@
     <p:sldId id="271" r:id="rId10"/>
     <p:sldId id="272" r:id="rId11"/>
     <p:sldId id="273" r:id="rId12"/>
-    <p:sldId id="266" r:id="rId13"/>
+    <p:sldId id="274" r:id="rId13"/>
+    <p:sldId id="266" r:id="rId14"/>
   </p:sldIdLst>
   <p:sldSz cx="9144000" cy="6858000" type="screen4x3"/>
   <p:notesSz cx="6858000" cy="9144000"/>
@@ -216,7 +217,7 @@
           <a:p>
             <a:fld id="{997DDE6A-8FD4-4BA5-8925-9C5BE442C160}" type="datetimeFigureOut">
               <a:rPr lang="en-US" smtClean="0"/>
-              <a:t>27-11-19</a:t>
+              <a:t>29-11-19</a:t>
             </a:fld>
             <a:endParaRPr lang="en-US"/>
           </a:p>
@@ -1233,6 +1234,90 @@
     <p:extLst>
       <p:ext uri="{BB962C8B-B14F-4D97-AF65-F5344CB8AC3E}">
         <p14:creationId xmlns:p14="http://schemas.microsoft.com/office/powerpoint/2010/main" val="3308692327"/>
+      </p:ext>
+    </p:extLst>
+  </p:cSld>
+  <p:clrMapOvr>
+    <a:masterClrMapping/>
+  </p:clrMapOvr>
+</p:notes>
+</file>
+
+<file path=ppt/notesSlides/notesSlide9.xml><?xml version="1.0" encoding="utf-8"?>
+<p:notes xmlns:a="http://schemas.openxmlformats.org/drawingml/2006/main" xmlns:r="http://schemas.openxmlformats.org/officeDocument/2006/relationships" xmlns:p="http://schemas.openxmlformats.org/presentationml/2006/main">
+  <p:cSld>
+    <p:spTree>
+      <p:nvGrpSpPr>
+        <p:cNvPr id="1" name=""/>
+        <p:cNvGrpSpPr/>
+        <p:nvPr/>
+      </p:nvGrpSpPr>
+      <p:grpSpPr>
+        <a:xfrm>
+          <a:off x="0" y="0"/>
+          <a:ext cx="0" cy="0"/>
+          <a:chOff x="0" y="0"/>
+          <a:chExt cx="0" cy="0"/>
+        </a:xfrm>
+      </p:grpSpPr>
+      <p:sp>
+        <p:nvSpPr>
+          <p:cNvPr id="2" name="Slide Image Placeholder 1"/>
+          <p:cNvSpPr>
+            <a:spLocks noGrp="1" noRot="1" noChangeAspect="1"/>
+          </p:cNvSpPr>
+          <p:nvPr>
+            <p:ph type="sldImg"/>
+          </p:nvPr>
+        </p:nvSpPr>
+        <p:spPr/>
+      </p:sp>
+      <p:sp>
+        <p:nvSpPr>
+          <p:cNvPr id="3" name="Notes Placeholder 2"/>
+          <p:cNvSpPr>
+            <a:spLocks noGrp="1"/>
+          </p:cNvSpPr>
+          <p:nvPr>
+            <p:ph type="body" idx="1"/>
+          </p:nvPr>
+        </p:nvSpPr>
+        <p:spPr/>
+        <p:txBody>
+          <a:bodyPr/>
+          <a:lstStyle/>
+          <a:p>
+            <a:endParaRPr lang="en-US" dirty="0"/>
+          </a:p>
+        </p:txBody>
+      </p:sp>
+      <p:sp>
+        <p:nvSpPr>
+          <p:cNvPr id="4" name="Slide Number Placeholder 3"/>
+          <p:cNvSpPr>
+            <a:spLocks noGrp="1"/>
+          </p:cNvSpPr>
+          <p:nvPr>
+            <p:ph type="sldNum" sz="quarter" idx="5"/>
+          </p:nvPr>
+        </p:nvSpPr>
+        <p:spPr/>
+        <p:txBody>
+          <a:bodyPr/>
+          <a:lstStyle/>
+          <a:p>
+            <a:fld id="{1E423D94-705C-4504-911F-B0FC4EFA50F0}" type="slidenum">
+              <a:rPr lang="en-US" smtClean="0"/>
+              <a:t>9</a:t>
+            </a:fld>
+            <a:endParaRPr lang="en-US"/>
+          </a:p>
+        </p:txBody>
+      </p:sp>
+    </p:spTree>
+    <p:extLst>
+      <p:ext uri="{BB962C8B-B14F-4D97-AF65-F5344CB8AC3E}">
+        <p14:creationId xmlns:p14="http://schemas.microsoft.com/office/powerpoint/2010/main" val="3309121766"/>
       </p:ext>
     </p:extLst>
   </p:cSld>
@@ -3729,6 +3814,39 @@
 </p:sld>
 </file>
 
+<file path=ppt/slides/slide10.xml><?xml version="1.0" encoding="utf-8"?>
+<p:sld xmlns:a="http://schemas.openxmlformats.org/drawingml/2006/main" xmlns:r="http://schemas.openxmlformats.org/officeDocument/2006/relationships" xmlns:p="http://schemas.openxmlformats.org/presentationml/2006/main">
+  <p:cSld>
+    <p:spTree>
+      <p:nvGrpSpPr>
+        <p:cNvPr id="1" name=""/>
+        <p:cNvGrpSpPr/>
+        <p:nvPr/>
+      </p:nvGrpSpPr>
+      <p:grpSpPr>
+        <a:xfrm>
+          <a:off x="0" y="0"/>
+          <a:ext cx="0" cy="0"/>
+          <a:chOff x="0" y="0"/>
+          <a:chExt cx="0" cy="0"/>
+        </a:xfrm>
+      </p:grpSpPr>
+    </p:spTree>
+    <p:extLst>
+      <p:ext uri="{BB962C8B-B14F-4D97-AF65-F5344CB8AC3E}">
+        <p14:creationId xmlns:p14="http://schemas.microsoft.com/office/powerpoint/2010/main" val="1578200342"/>
+      </p:ext>
+    </p:extLst>
+  </p:cSld>
+  <p:clrMapOvr>
+    <a:masterClrMapping/>
+  </p:clrMapOvr>
+  <p:transition spd="med">
+    <p:push dir="u"/>
+  </p:transition>
+</p:sld>
+</file>
+
 <file path=ppt/slides/slide2.xml><?xml version="1.0" encoding="utf-8"?>
 <p:sld xmlns:a="http://schemas.openxmlformats.org/drawingml/2006/main" xmlns:r="http://schemas.openxmlformats.org/officeDocument/2006/relationships" xmlns:p="http://schemas.openxmlformats.org/presentationml/2006/main">
   <p:cSld>
@@ -4182,7 +4300,7 @@
         </p:blipFill>
         <p:spPr>
           <a:xfrm>
-            <a:off x="4671662" y="2777490"/>
+            <a:off x="4671662" y="3159662"/>
             <a:ext cx="4177068" cy="2614424"/>
           </a:xfrm>
           <a:prstGeom prst="rect">
@@ -4250,6 +4368,36 @@
           </a:prstGeom>
         </p:spPr>
       </p:pic>
+      <p:pic>
+        <p:nvPicPr>
+          <p:cNvPr id="4" name="Picture 3">
+            <a:extLst>
+              <a:ext uri="{FF2B5EF4-FFF2-40B4-BE49-F238E27FC236}">
+                <a16:creationId xmlns:a16="http://schemas.microsoft.com/office/drawing/2014/main" id="{826BEDBF-244F-4006-8221-CECF19B32EBC}"/>
+              </a:ext>
+            </a:extLst>
+          </p:cNvPr>
+          <p:cNvPicPr>
+            <a:picLocks noChangeAspect="1"/>
+          </p:cNvPicPr>
+          <p:nvPr/>
+        </p:nvPicPr>
+        <p:blipFill>
+          <a:blip r:embed="rId6"/>
+          <a:stretch>
+            <a:fillRect/>
+          </a:stretch>
+        </p:blipFill>
+        <p:spPr>
+          <a:xfrm>
+            <a:off x="295270" y="4458238"/>
+            <a:ext cx="5112310" cy="1067182"/>
+          </a:xfrm>
+          <a:prstGeom prst="rect">
+            <a:avLst/>
+          </a:prstGeom>
+        </p:spPr>
+      </p:pic>
     </p:spTree>
     <p:extLst>
       <p:ext uri="{BB962C8B-B14F-4D97-AF65-F5344CB8AC3E}">
@@ -4263,6 +4411,183 @@
   <p:transition spd="med">
     <p:push dir="u"/>
   </p:transition>
+  <p:timing>
+    <p:tnLst>
+      <p:par>
+        <p:cTn id="1" dur="indefinite" restart="never" nodeType="tmRoot">
+          <p:childTnLst>
+            <p:seq concurrent="1" nextAc="seek">
+              <p:cTn id="2" dur="indefinite" nodeType="mainSeq">
+                <p:childTnLst>
+                  <p:par>
+                    <p:cTn id="3" fill="hold">
+                      <p:stCondLst>
+                        <p:cond delay="indefinite"/>
+                        <p:cond evt="onBegin" delay="0">
+                          <p:tn val="2"/>
+                        </p:cond>
+                      </p:stCondLst>
+                      <p:childTnLst>
+                        <p:par>
+                          <p:cTn id="4" fill="hold">
+                            <p:stCondLst>
+                              <p:cond delay="0"/>
+                            </p:stCondLst>
+                            <p:childTnLst>
+                              <p:par>
+                                <p:cTn id="5" presetID="1" presetClass="entr" presetSubtype="0" fill="hold" nodeType="withEffect">
+                                  <p:stCondLst>
+                                    <p:cond delay="0"/>
+                                  </p:stCondLst>
+                                  <p:childTnLst>
+                                    <p:set>
+                                      <p:cBhvr>
+                                        <p:cTn id="6" dur="1" fill="hold">
+                                          <p:stCondLst>
+                                            <p:cond delay="0"/>
+                                          </p:stCondLst>
+                                        </p:cTn>
+                                        <p:tgtEl>
+                                          <p:spTgt spid="5"/>
+                                        </p:tgtEl>
+                                        <p:attrNameLst>
+                                          <p:attrName>style.visibility</p:attrName>
+                                        </p:attrNameLst>
+                                      </p:cBhvr>
+                                      <p:to>
+                                        <p:strVal val="visible"/>
+                                      </p:to>
+                                    </p:set>
+                                  </p:childTnLst>
+                                </p:cTn>
+                              </p:par>
+                            </p:childTnLst>
+                          </p:cTn>
+                        </p:par>
+                      </p:childTnLst>
+                    </p:cTn>
+                  </p:par>
+                  <p:par>
+                    <p:cTn id="7" fill="hold">
+                      <p:stCondLst>
+                        <p:cond delay="indefinite"/>
+                      </p:stCondLst>
+                      <p:childTnLst>
+                        <p:par>
+                          <p:cTn id="8" fill="hold">
+                            <p:stCondLst>
+                              <p:cond delay="0"/>
+                            </p:stCondLst>
+                            <p:childTnLst>
+                              <p:par>
+                                <p:cTn id="9" presetID="1" presetClass="entr" presetSubtype="0" fill="hold" nodeType="clickEffect">
+                                  <p:stCondLst>
+                                    <p:cond delay="0"/>
+                                  </p:stCondLst>
+                                  <p:childTnLst>
+                                    <p:set>
+                                      <p:cBhvr>
+                                        <p:cTn id="10" dur="1" fill="hold">
+                                          <p:stCondLst>
+                                            <p:cond delay="0"/>
+                                          </p:stCondLst>
+                                        </p:cTn>
+                                        <p:tgtEl>
+                                          <p:spTgt spid="4"/>
+                                        </p:tgtEl>
+                                        <p:attrNameLst>
+                                          <p:attrName>style.visibility</p:attrName>
+                                        </p:attrNameLst>
+                                      </p:cBhvr>
+                                      <p:to>
+                                        <p:strVal val="visible"/>
+                                      </p:to>
+                                    </p:set>
+                                  </p:childTnLst>
+                                </p:cTn>
+                              </p:par>
+                              <p:par>
+                                <p:cTn id="11" presetID="1" presetClass="exit" presetSubtype="0" fill="hold" nodeType="withEffect">
+                                  <p:stCondLst>
+                                    <p:cond delay="0"/>
+                                  </p:stCondLst>
+                                  <p:childTnLst>
+                                    <p:set>
+                                      <p:cBhvr>
+                                        <p:cTn id="12" dur="1" fill="hold">
+                                          <p:stCondLst>
+                                            <p:cond delay="0"/>
+                                          </p:stCondLst>
+                                        </p:cTn>
+                                        <p:tgtEl>
+                                          <p:spTgt spid="8"/>
+                                        </p:tgtEl>
+                                        <p:attrNameLst>
+                                          <p:attrName>style.visibility</p:attrName>
+                                        </p:attrNameLst>
+                                      </p:cBhvr>
+                                      <p:to>
+                                        <p:strVal val="hidden"/>
+                                      </p:to>
+                                    </p:set>
+                                  </p:childTnLst>
+                                </p:cTn>
+                              </p:par>
+                              <p:par>
+                                <p:cTn id="13" presetID="1" presetClass="exit" presetSubtype="0" fill="hold" nodeType="withEffect">
+                                  <p:stCondLst>
+                                    <p:cond delay="0"/>
+                                  </p:stCondLst>
+                                  <p:childTnLst>
+                                    <p:set>
+                                      <p:cBhvr>
+                                        <p:cTn id="14" dur="1" fill="hold">
+                                          <p:stCondLst>
+                                            <p:cond delay="0"/>
+                                          </p:stCondLst>
+                                        </p:cTn>
+                                        <p:tgtEl>
+                                          <p:spTgt spid="7"/>
+                                        </p:tgtEl>
+                                        <p:attrNameLst>
+                                          <p:attrName>style.visibility</p:attrName>
+                                        </p:attrNameLst>
+                                      </p:cBhvr>
+                                      <p:to>
+                                        <p:strVal val="hidden"/>
+                                      </p:to>
+                                    </p:set>
+                                  </p:childTnLst>
+                                </p:cTn>
+                              </p:par>
+                            </p:childTnLst>
+                          </p:cTn>
+                        </p:par>
+                      </p:childTnLst>
+                    </p:cTn>
+                  </p:par>
+                </p:childTnLst>
+              </p:cTn>
+              <p:prevCondLst>
+                <p:cond evt="onPrev" delay="0">
+                  <p:tgtEl>
+                    <p:sldTgt/>
+                  </p:tgtEl>
+                </p:cond>
+              </p:prevCondLst>
+              <p:nextCondLst>
+                <p:cond evt="onNext" delay="0">
+                  <p:tgtEl>
+                    <p:sldTgt/>
+                  </p:tgtEl>
+                </p:cond>
+              </p:nextCondLst>
+            </p:seq>
+          </p:childTnLst>
+        </p:cTn>
+      </p:par>
+    </p:tnLst>
+  </p:timing>
 </p:sld>
 </file>
 
@@ -4651,7 +4976,7 @@
           <a:p>
             <a:r>
               <a:rPr lang="fi-FI" dirty="0"/>
-              <a:t>Kamera</a:t>
+              <a:t>Kolmiulotteisuus</a:t>
             </a:r>
           </a:p>
         </p:txBody>
@@ -4678,8 +5003,30 @@
           <a:lstStyle/>
           <a:p>
             <a:r>
+              <a:rPr lang="en-US" dirty="0"/>
+              <a:t>Model, View ja Projection –</a:t>
+            </a:r>
+            <a:r>
               <a:rPr lang="en-US" dirty="0" err="1"/>
-              <a:t>Tarvitaan</a:t>
+              <a:t>matriisit</a:t>
+            </a:r>
+            <a:endParaRPr lang="en-US" dirty="0"/>
+          </a:p>
+          <a:p>
+            <a:r>
+              <a:rPr lang="en-US" dirty="0" err="1"/>
+              <a:t>Kamera</a:t>
+            </a:r>
+            <a:endParaRPr lang="en-US" dirty="0"/>
+          </a:p>
+          <a:p>
+            <a:r>
+              <a:rPr lang="en-US" dirty="0"/>
+              <a:t>Model –</a:t>
+            </a:r>
+            <a:r>
+              <a:rPr lang="en-US" dirty="0" err="1"/>
+              <a:t>luokka</a:t>
             </a:r>
             <a:r>
               <a:rPr lang="en-US" dirty="0"/>
@@ -4687,7 +5034,7 @@
             </a:r>
             <a:r>
               <a:rPr lang="en-US" dirty="0" err="1"/>
-              <a:t>kamerasta</a:t>
+              <a:t>kolmiulotteisia</a:t>
             </a:r>
             <a:r>
               <a:rPr lang="en-US" dirty="0"/>
@@ -4695,15 +5042,7 @@
             </a:r>
             <a:r>
               <a:rPr lang="en-US" dirty="0" err="1"/>
-              <a:t>eteen</a:t>
-            </a:r>
-            <a:r>
-              <a:rPr lang="en-US" dirty="0"/>
-              <a:t>, </a:t>
-            </a:r>
-            <a:r>
-              <a:rPr lang="en-US" dirty="0" err="1"/>
-              <a:t>ylös</a:t>
+              <a:t>malleja</a:t>
             </a:r>
             <a:r>
               <a:rPr lang="en-US" dirty="0"/>
@@ -4711,31 +5050,7 @@
             </a:r>
             <a:r>
               <a:rPr lang="en-US" dirty="0" err="1"/>
-              <a:t>sekä</a:t>
-            </a:r>
-            <a:r>
-              <a:rPr lang="en-US" dirty="0"/>
-              <a:t> </a:t>
-            </a:r>
-            <a:r>
-              <a:rPr lang="en-US" dirty="0" err="1"/>
-              <a:t>oikealle</a:t>
-            </a:r>
-            <a:r>
-              <a:rPr lang="en-US" dirty="0"/>
-              <a:t> </a:t>
-            </a:r>
-            <a:r>
-              <a:rPr lang="en-US" dirty="0" err="1"/>
-              <a:t>osoittavat</a:t>
-            </a:r>
-            <a:r>
-              <a:rPr lang="en-US" dirty="0"/>
-              <a:t> </a:t>
-            </a:r>
-            <a:r>
-              <a:rPr lang="en-US" dirty="0" err="1"/>
-              <a:t>vektorit</a:t>
+              <a:t>varten</a:t>
             </a:r>
             <a:endParaRPr lang="en-US" dirty="0"/>
           </a:p>
@@ -4774,10 +5089,147 @@
           <a:chExt cx="0" cy="0"/>
         </a:xfrm>
       </p:grpSpPr>
+      <p:sp>
+        <p:nvSpPr>
+          <p:cNvPr id="2" name="Otsikko 1"/>
+          <p:cNvSpPr>
+            <a:spLocks noGrp="1"/>
+          </p:cNvSpPr>
+          <p:nvPr>
+            <p:ph type="title"/>
+          </p:nvPr>
+        </p:nvSpPr>
+        <p:spPr/>
+        <p:txBody>
+          <a:bodyPr/>
+          <a:lstStyle/>
+          <a:p>
+            <a:r>
+              <a:rPr lang="fi-FI" dirty="0"/>
+              <a:t>Kamera</a:t>
+            </a:r>
+          </a:p>
+        </p:txBody>
+      </p:sp>
+      <p:sp>
+        <p:nvSpPr>
+          <p:cNvPr id="5" name="Content Placeholder 4">
+            <a:extLst>
+              <a:ext uri="{FF2B5EF4-FFF2-40B4-BE49-F238E27FC236}">
+                <a16:creationId xmlns:a16="http://schemas.microsoft.com/office/drawing/2014/main" id="{A898BBB4-2C2D-4779-8C1D-94642BB38BCF}"/>
+              </a:ext>
+            </a:extLst>
+          </p:cNvPr>
+          <p:cNvSpPr>
+            <a:spLocks noGrp="1"/>
+          </p:cNvSpPr>
+          <p:nvPr>
+            <p:ph idx="1"/>
+          </p:nvPr>
+        </p:nvSpPr>
+        <p:spPr/>
+        <p:txBody>
+          <a:bodyPr/>
+          <a:lstStyle/>
+          <a:p>
+            <a:r>
+              <a:rPr lang="en-US" dirty="0" err="1"/>
+              <a:t>Tarvitaan</a:t>
+            </a:r>
+            <a:r>
+              <a:rPr lang="en-US" dirty="0"/>
+              <a:t> </a:t>
+            </a:r>
+            <a:r>
+              <a:rPr lang="en-US" dirty="0" err="1"/>
+              <a:t>kamerasta</a:t>
+            </a:r>
+            <a:r>
+              <a:rPr lang="en-US" dirty="0"/>
+              <a:t> </a:t>
+            </a:r>
+            <a:r>
+              <a:rPr lang="en-US" dirty="0" err="1"/>
+              <a:t>eteen</a:t>
+            </a:r>
+            <a:r>
+              <a:rPr lang="en-US" dirty="0"/>
+              <a:t>, </a:t>
+            </a:r>
+            <a:r>
+              <a:rPr lang="en-US" dirty="0" err="1"/>
+              <a:t>ylös</a:t>
+            </a:r>
+            <a:r>
+              <a:rPr lang="en-US" dirty="0"/>
+              <a:t> </a:t>
+            </a:r>
+            <a:r>
+              <a:rPr lang="en-US" dirty="0" err="1"/>
+              <a:t>sekä</a:t>
+            </a:r>
+            <a:r>
+              <a:rPr lang="en-US" dirty="0"/>
+              <a:t> </a:t>
+            </a:r>
+            <a:r>
+              <a:rPr lang="en-US" dirty="0" err="1"/>
+              <a:t>oikealle</a:t>
+            </a:r>
+            <a:r>
+              <a:rPr lang="en-US" dirty="0"/>
+              <a:t> </a:t>
+            </a:r>
+            <a:r>
+              <a:rPr lang="en-US" dirty="0" err="1"/>
+              <a:t>osoittavat</a:t>
+            </a:r>
+            <a:r>
+              <a:rPr lang="en-US" dirty="0"/>
+              <a:t> </a:t>
+            </a:r>
+            <a:r>
+              <a:rPr lang="en-US" dirty="0" err="1"/>
+              <a:t>vektorit</a:t>
+            </a:r>
+            <a:endParaRPr lang="en-US" dirty="0"/>
+          </a:p>
+        </p:txBody>
+      </p:sp>
+      <p:pic>
+        <p:nvPicPr>
+          <p:cNvPr id="3" name="Picture 2">
+            <a:extLst>
+              <a:ext uri="{FF2B5EF4-FFF2-40B4-BE49-F238E27FC236}">
+                <a16:creationId xmlns:a16="http://schemas.microsoft.com/office/drawing/2014/main" id="{FC411376-214C-4C1A-8BDA-1EDDD6889239}"/>
+              </a:ext>
+            </a:extLst>
+          </p:cNvPr>
+          <p:cNvPicPr>
+            <a:picLocks noChangeAspect="1"/>
+          </p:cNvPicPr>
+          <p:nvPr/>
+        </p:nvPicPr>
+        <p:blipFill>
+          <a:blip r:embed="rId3"/>
+          <a:stretch>
+            <a:fillRect/>
+          </a:stretch>
+        </p:blipFill>
+        <p:spPr>
+          <a:xfrm>
+            <a:off x="594360" y="2598420"/>
+            <a:ext cx="7955280" cy="3756660"/>
+          </a:xfrm>
+          <a:prstGeom prst="rect">
+            <a:avLst/>
+          </a:prstGeom>
+        </p:spPr>
+      </p:pic>
     </p:spTree>
     <p:extLst>
       <p:ext uri="{BB962C8B-B14F-4D97-AF65-F5344CB8AC3E}">
-        <p14:creationId xmlns:p14="http://schemas.microsoft.com/office/powerpoint/2010/main" val="1578200342"/>
+        <p14:creationId xmlns:p14="http://schemas.microsoft.com/office/powerpoint/2010/main" val="2583273464"/>
       </p:ext>
     </p:extLst>
   </p:cSld>
@@ -4787,6 +5239,81 @@
   <p:transition spd="med">
     <p:push dir="u"/>
   </p:transition>
+  <p:timing>
+    <p:tnLst>
+      <p:par>
+        <p:cTn id="1" dur="indefinite" restart="never" nodeType="tmRoot">
+          <p:childTnLst>
+            <p:seq concurrent="1" nextAc="seek">
+              <p:cTn id="2" dur="indefinite" nodeType="mainSeq">
+                <p:childTnLst>
+                  <p:par>
+                    <p:cTn id="3" fill="hold">
+                      <p:stCondLst>
+                        <p:cond delay="indefinite"/>
+                      </p:stCondLst>
+                      <p:childTnLst>
+                        <p:par>
+                          <p:cTn id="4" fill="hold">
+                            <p:stCondLst>
+                              <p:cond delay="0"/>
+                            </p:stCondLst>
+                            <p:childTnLst>
+                              <p:par>
+                                <p:cTn id="5" presetID="1" presetClass="entr" presetSubtype="0" fill="hold" nodeType="clickEffect">
+                                  <p:stCondLst>
+                                    <p:cond delay="0"/>
+                                  </p:stCondLst>
+                                  <p:childTnLst>
+                                    <p:set>
+                                      <p:cBhvr>
+                                        <p:cTn id="6" dur="1" fill="hold">
+                                          <p:stCondLst>
+                                            <p:cond delay="0"/>
+                                          </p:stCondLst>
+                                        </p:cTn>
+                                        <p:tgtEl>
+                                          <p:spTgt spid="3"/>
+                                        </p:tgtEl>
+                                        <p:attrNameLst>
+                                          <p:attrName>style.visibility</p:attrName>
+                                        </p:attrNameLst>
+                                      </p:cBhvr>
+                                      <p:to>
+                                        <p:strVal val="visible"/>
+                                      </p:to>
+                                    </p:set>
+                                  </p:childTnLst>
+                                </p:cTn>
+                              </p:par>
+                            </p:childTnLst>
+                          </p:cTn>
+                        </p:par>
+                      </p:childTnLst>
+                    </p:cTn>
+                  </p:par>
+                </p:childTnLst>
+              </p:cTn>
+              <p:prevCondLst>
+                <p:cond evt="onPrev" delay="0">
+                  <p:tgtEl>
+                    <p:sldTgt/>
+                  </p:tgtEl>
+                </p:cond>
+              </p:prevCondLst>
+              <p:nextCondLst>
+                <p:cond evt="onNext" delay="0">
+                  <p:tgtEl>
+                    <p:sldTgt/>
+                  </p:tgtEl>
+                </p:cond>
+              </p:nextCondLst>
+            </p:seq>
+          </p:childTnLst>
+        </p:cTn>
+      </p:par>
+    </p:tnLst>
+  </p:timing>
 </p:sld>
 </file>
 
@@ -5406,13 +5933,12 @@
 </file>
 
 <file path=customXml/item1.xml><?xml version="1.0" encoding="utf-8"?>
-<p:properties xmlns:p="http://schemas.microsoft.com/office/2006/metadata/properties" xmlns:xsi="http://www.w3.org/2001/XMLSchema-instance" xmlns:pc="http://schemas.microsoft.com/office/infopath/2007/PartnerControls">
-  <documentManagement>
-    <a07c3fd0247140d68b99fdbcf50c8190 xmlns="25e7f6bf-72c1-4870-aa83-3dac08eebaf4">
-      <Terms xmlns="http://schemas.microsoft.com/office/infopath/2007/PartnerControls"/>
-    </a07c3fd0247140d68b99fdbcf50c8190>
-  </documentManagement>
-</p:properties>
+<?mso-contentType ?>
+<FormTemplates xmlns="http://schemas.microsoft.com/sharepoint/v3/contenttype/forms">
+  <Display>DocumentLibraryForm</Display>
+  <Edit>DocumentLibraryForm</Edit>
+  <New>DocumentLibraryForm</New>
+</FormTemplates>
 </file>
 
 <file path=customXml/item2.xml><?xml version="1.0" encoding="utf-8"?>
@@ -5544,20 +6070,19 @@
 </file>
 
 <file path=customXml/item3.xml><?xml version="1.0" encoding="utf-8"?>
-<?mso-contentType ?>
-<FormTemplates xmlns="http://schemas.microsoft.com/sharepoint/v3/contenttype/forms">
-  <Display>DocumentLibraryForm</Display>
-  <Edit>DocumentLibraryForm</Edit>
-  <New>DocumentLibraryForm</New>
-</FormTemplates>
+<p:properties xmlns:p="http://schemas.microsoft.com/office/2006/metadata/properties" xmlns:xsi="http://www.w3.org/2001/XMLSchema-instance" xmlns:pc="http://schemas.microsoft.com/office/infopath/2007/PartnerControls">
+  <documentManagement>
+    <a07c3fd0247140d68b99fdbcf50c8190 xmlns="25e7f6bf-72c1-4870-aa83-3dac08eebaf4">
+      <Terms xmlns="http://schemas.microsoft.com/office/infopath/2007/PartnerControls"/>
+    </a07c3fd0247140d68b99fdbcf50c8190>
+  </documentManagement>
+</p:properties>
 </file>
 
 <file path=customXml/itemProps1.xml><?xml version="1.0" encoding="utf-8"?>
-<ds:datastoreItem xmlns:ds="http://schemas.openxmlformats.org/officeDocument/2006/customXml" ds:itemID="{73A9BBC0-0279-4D7C-AB77-BCE83234F2CC}">
+<ds:datastoreItem xmlns:ds="http://schemas.openxmlformats.org/officeDocument/2006/customXml" ds:itemID="{E4F4751A-FFB1-49A1-895C-66005EA66C56}">
   <ds:schemaRefs>
-    <ds:schemaRef ds:uri="http://schemas.microsoft.com/office/2006/metadata/properties"/>
-    <ds:schemaRef ds:uri="http://schemas.microsoft.com/office/infopath/2007/PartnerControls"/>
-    <ds:schemaRef ds:uri="25e7f6bf-72c1-4870-aa83-3dac08eebaf4"/>
+    <ds:schemaRef ds:uri="http://schemas.microsoft.com/sharepoint/v3/contenttype/forms"/>
   </ds:schemaRefs>
 </ds:datastoreItem>
 </file>
@@ -5581,9 +6106,11 @@
 </file>
 
 <file path=customXml/itemProps3.xml><?xml version="1.0" encoding="utf-8"?>
-<ds:datastoreItem xmlns:ds="http://schemas.openxmlformats.org/officeDocument/2006/customXml" ds:itemID="{E4F4751A-FFB1-49A1-895C-66005EA66C56}">
+<ds:datastoreItem xmlns:ds="http://schemas.openxmlformats.org/officeDocument/2006/customXml" ds:itemID="{73A9BBC0-0279-4D7C-AB77-BCE83234F2CC}">
   <ds:schemaRefs>
-    <ds:schemaRef ds:uri="http://schemas.microsoft.com/sharepoint/v3/contenttype/forms"/>
+    <ds:schemaRef ds:uri="http://schemas.microsoft.com/office/2006/metadata/properties"/>
+    <ds:schemaRef ds:uri="http://schemas.microsoft.com/office/infopath/2007/PartnerControls"/>
+    <ds:schemaRef ds:uri="25e7f6bf-72c1-4870-aa83-3dac08eebaf4"/>
   </ds:schemaRefs>
 </ds:datastoreItem>
 </file>